--- a/Präsentation/MDSD.pptx
+++ b/Präsentation/MDSD.pptx
@@ -5,21 +5,17 @@
     <p:sldMasterId id="2147483656" r:id="rId1"/>
   </p:sldMasterIdLst>
   <p:notesMasterIdLst>
-    <p:notesMasterId r:id="rId14"/>
+    <p:notesMasterId r:id="rId10"/>
   </p:notesMasterIdLst>
   <p:sldIdLst>
     <p:sldId id="259" r:id="rId2"/>
-    <p:sldId id="306" r:id="rId3"/>
+    <p:sldId id="314" r:id="rId3"/>
     <p:sldId id="261" r:id="rId4"/>
     <p:sldId id="307" r:id="rId5"/>
     <p:sldId id="308" r:id="rId6"/>
     <p:sldId id="309" r:id="rId7"/>
-    <p:sldId id="310" r:id="rId8"/>
-    <p:sldId id="311" r:id="rId9"/>
-    <p:sldId id="312" r:id="rId10"/>
-    <p:sldId id="268" r:id="rId11"/>
-    <p:sldId id="284" r:id="rId12"/>
-    <p:sldId id="276" r:id="rId13"/>
+    <p:sldId id="313" r:id="rId8"/>
+    <p:sldId id="276" r:id="rId9"/>
   </p:sldIdLst>
   <p:sldSz cx="9144000" cy="6858000" type="screen4x3"/>
   <p:notesSz cx="6794500" cy="9931400"/>
@@ -154,7 +150,7 @@
         <p14:section name="Standardabschnitt" id="{4476269C-AB0C-4A17-8099-E9947F970EC5}">
           <p14:sldIdLst>
             <p14:sldId id="259"/>
-            <p14:sldId id="306"/>
+            <p14:sldId id="314"/>
           </p14:sldIdLst>
         </p14:section>
         <p14:section name="Einleitung" id="{83E22388-5335-461B-861A-0795A1283C9D}">
@@ -163,15 +159,11 @@
             <p14:sldId id="307"/>
             <p14:sldId id="308"/>
             <p14:sldId id="309"/>
-            <p14:sldId id="310"/>
-            <p14:sldId id="311"/>
-            <p14:sldId id="312"/>
+            <p14:sldId id="313"/>
           </p14:sldIdLst>
         </p14:section>
         <p14:section name="Schluss" id="{408C49C7-D948-4E1B-BC28-D65C95DF5D79}">
           <p14:sldIdLst>
-            <p14:sldId id="268"/>
-            <p14:sldId id="284"/>
             <p14:sldId id="276"/>
           </p14:sldIdLst>
         </p14:section>
@@ -684,10 +676,44 @@
           <a:bodyPr/>
           <a:lstStyle/>
           <a:p>
+            <a:pPr marL="0" marR="0" lvl="0" indent="0" algn="l" defTabSz="914400" rtl="0" eaLnBrk="1" fontAlgn="base" latinLnBrk="0" hangingPunct="1">
+              <a:lnSpc>
+                <a:spcPct val="100000"/>
+              </a:lnSpc>
+              <a:spcBef>
+                <a:spcPct val="30000"/>
+              </a:spcBef>
+              <a:spcAft>
+                <a:spcPct val="0"/>
+              </a:spcAft>
+              <a:buClrTx/>
+              <a:buSzTx/>
+              <a:buFontTx/>
+              <a:buNone/>
+              <a:tabLst/>
+              <a:defRPr/>
+            </a:pPr>
             <a:r>
               <a:rPr lang="de-DE" dirty="0"/>
-              <a:t>Punkt 1 Einleitung</a:t>
-            </a:r>
+              <a:t>Vorgehen: </a:t>
+            </a:r>
+            <a:r>
+              <a:rPr lang="de-DE" dirty="0">
+                <a:solidFill>
+                  <a:schemeClr val="tx1"/>
+                </a:solidFill>
+              </a:rPr>
+              <a:t>Modellierung der Referenzprogramme.</a:t>
+            </a:r>
+          </a:p>
+          <a:p>
+            <a:r>
+              <a:rPr lang="de-DE" dirty="0"/>
+              <a:t>UML Zeigen</a:t>
+            </a:r>
+          </a:p>
+          <a:p>
+            <a:endParaRPr lang="de-DE" dirty="0"/>
           </a:p>
         </p:txBody>
       </p:sp>
@@ -718,7 +744,7 @@
     </p:spTree>
     <p:extLst>
       <p:ext uri="{BB962C8B-B14F-4D97-AF65-F5344CB8AC3E}">
-        <p14:creationId xmlns:p14="http://schemas.microsoft.com/office/powerpoint/2010/main" val="3695981833"/>
+        <p14:creationId xmlns:p14="http://schemas.microsoft.com/office/powerpoint/2010/main" val="2279423412"/>
       </p:ext>
     </p:extLst>
   </p:cSld>
@@ -1252,6 +1278,39 @@
           <a:bodyPr/>
           <a:lstStyle/>
           <a:p>
+            <a:r>
+              <a:rPr lang="de-DE" dirty="0"/>
+              <a:t>Jeder hat zuerst sein Referenzprogramm geschrieben.</a:t>
+            </a:r>
+          </a:p>
+          <a:p>
+            <a:r>
+              <a:rPr lang="de-DE" dirty="0"/>
+              <a:t>beide Programme in einen individuellen und einen generierten teil </a:t>
+            </a:r>
+            <a:r>
+              <a:rPr lang="de-DE" dirty="0" err="1"/>
+              <a:t>aufzuteile</a:t>
+            </a:r>
+            <a:endParaRPr lang="de-DE" dirty="0"/>
+          </a:p>
+          <a:p>
+            <a:r>
+              <a:rPr lang="de-DE" dirty="0"/>
+              <a:t>Dies geschieht durch zwei verschiedene Dateien </a:t>
+            </a:r>
+            <a:r>
+              <a:rPr lang="de-DE" dirty="0" err="1"/>
+              <a:t>callbacks_NAME.ENDUNG</a:t>
+            </a:r>
+            <a:r>
+              <a:rPr lang="de-DE" dirty="0"/>
+              <a:t> </a:t>
+            </a:r>
+            <a:r>
+              <a:rPr lang="de-DE" dirty="0" err="1"/>
+              <a:t>genGUI_NAME.ENDUNG</a:t>
+            </a:r>
             <a:endParaRPr lang="de-DE" dirty="0"/>
           </a:p>
         </p:txBody>
@@ -1283,177 +1342,7 @@
     </p:spTree>
     <p:extLst>
       <p:ext uri="{BB962C8B-B14F-4D97-AF65-F5344CB8AC3E}">
-        <p14:creationId xmlns:p14="http://schemas.microsoft.com/office/powerpoint/2010/main" val="1725360398"/>
-      </p:ext>
-    </p:extLst>
-  </p:cSld>
-  <p:clrMapOvr>
-    <a:masterClrMapping/>
-  </p:clrMapOvr>
-</p:notes>
-</file>
-
-<file path=ppt/notesSlides/notesSlide7.xml><?xml version="1.0" encoding="utf-8"?>
-<p:notes xmlns:a="http://schemas.openxmlformats.org/drawingml/2006/main" xmlns:r="http://schemas.openxmlformats.org/officeDocument/2006/relationships" xmlns:p="http://schemas.openxmlformats.org/presentationml/2006/main">
-  <p:cSld>
-    <p:spTree>
-      <p:nvGrpSpPr>
-        <p:cNvPr id="1" name=""/>
-        <p:cNvGrpSpPr/>
-        <p:nvPr/>
-      </p:nvGrpSpPr>
-      <p:grpSpPr>
-        <a:xfrm>
-          <a:off x="0" y="0"/>
-          <a:ext cx="0" cy="0"/>
-          <a:chOff x="0" y="0"/>
-          <a:chExt cx="0" cy="0"/>
-        </a:xfrm>
-      </p:grpSpPr>
-      <p:sp>
-        <p:nvSpPr>
-          <p:cNvPr id="2" name="Folienbildplatzhalter 1"/>
-          <p:cNvSpPr>
-            <a:spLocks noGrp="1" noRot="1" noChangeAspect="1"/>
-          </p:cNvSpPr>
-          <p:nvPr>
-            <p:ph type="sldImg"/>
-          </p:nvPr>
-        </p:nvSpPr>
-        <p:spPr/>
-      </p:sp>
-      <p:sp>
-        <p:nvSpPr>
-          <p:cNvPr id="3" name="Notizenplatzhalter 2"/>
-          <p:cNvSpPr>
-            <a:spLocks noGrp="1"/>
-          </p:cNvSpPr>
-          <p:nvPr>
-            <p:ph type="body" idx="1"/>
-          </p:nvPr>
-        </p:nvSpPr>
-        <p:spPr/>
-        <p:txBody>
-          <a:bodyPr/>
-          <a:lstStyle/>
-          <a:p>
-            <a:endParaRPr lang="de-DE" dirty="0"/>
-          </a:p>
-        </p:txBody>
-      </p:sp>
-      <p:sp>
-        <p:nvSpPr>
-          <p:cNvPr id="4" name="Foliennummernplatzhalter 3"/>
-          <p:cNvSpPr>
-            <a:spLocks noGrp="1"/>
-          </p:cNvSpPr>
-          <p:nvPr>
-            <p:ph type="sldNum" sz="quarter" idx="5"/>
-          </p:nvPr>
-        </p:nvSpPr>
-        <p:spPr/>
-        <p:txBody>
-          <a:bodyPr/>
-          <a:lstStyle/>
-          <a:p>
-            <a:fld id="{AB5AA983-2186-40A3-92EE-FB13A7732978}" type="slidenum">
-              <a:rPr lang="de-DE" smtClean="0"/>
-              <a:pPr/>
-              <a:t>8</a:t>
-            </a:fld>
-            <a:endParaRPr lang="de-DE"/>
-          </a:p>
-        </p:txBody>
-      </p:sp>
-    </p:spTree>
-    <p:extLst>
-      <p:ext uri="{BB962C8B-B14F-4D97-AF65-F5344CB8AC3E}">
-        <p14:creationId xmlns:p14="http://schemas.microsoft.com/office/powerpoint/2010/main" val="1987442748"/>
-      </p:ext>
-    </p:extLst>
-  </p:cSld>
-  <p:clrMapOvr>
-    <a:masterClrMapping/>
-  </p:clrMapOvr>
-</p:notes>
-</file>
-
-<file path=ppt/notesSlides/notesSlide8.xml><?xml version="1.0" encoding="utf-8"?>
-<p:notes xmlns:a="http://schemas.openxmlformats.org/drawingml/2006/main" xmlns:r="http://schemas.openxmlformats.org/officeDocument/2006/relationships" xmlns:p="http://schemas.openxmlformats.org/presentationml/2006/main">
-  <p:cSld>
-    <p:spTree>
-      <p:nvGrpSpPr>
-        <p:cNvPr id="1" name=""/>
-        <p:cNvGrpSpPr/>
-        <p:nvPr/>
-      </p:nvGrpSpPr>
-      <p:grpSpPr>
-        <a:xfrm>
-          <a:off x="0" y="0"/>
-          <a:ext cx="0" cy="0"/>
-          <a:chOff x="0" y="0"/>
-          <a:chExt cx="0" cy="0"/>
-        </a:xfrm>
-      </p:grpSpPr>
-      <p:sp>
-        <p:nvSpPr>
-          <p:cNvPr id="2" name="Folienbildplatzhalter 1"/>
-          <p:cNvSpPr>
-            <a:spLocks noGrp="1" noRot="1" noChangeAspect="1"/>
-          </p:cNvSpPr>
-          <p:nvPr>
-            <p:ph type="sldImg"/>
-          </p:nvPr>
-        </p:nvSpPr>
-        <p:spPr/>
-      </p:sp>
-      <p:sp>
-        <p:nvSpPr>
-          <p:cNvPr id="3" name="Notizenplatzhalter 2"/>
-          <p:cNvSpPr>
-            <a:spLocks noGrp="1"/>
-          </p:cNvSpPr>
-          <p:nvPr>
-            <p:ph type="body" idx="1"/>
-          </p:nvPr>
-        </p:nvSpPr>
-        <p:spPr/>
-        <p:txBody>
-          <a:bodyPr/>
-          <a:lstStyle/>
-          <a:p>
-            <a:endParaRPr lang="de-DE" dirty="0"/>
-          </a:p>
-        </p:txBody>
-      </p:sp>
-      <p:sp>
-        <p:nvSpPr>
-          <p:cNvPr id="4" name="Foliennummernplatzhalter 3"/>
-          <p:cNvSpPr>
-            <a:spLocks noGrp="1"/>
-          </p:cNvSpPr>
-          <p:nvPr>
-            <p:ph type="sldNum" sz="quarter" idx="5"/>
-          </p:nvPr>
-        </p:nvSpPr>
-        <p:spPr/>
-        <p:txBody>
-          <a:bodyPr/>
-          <a:lstStyle/>
-          <a:p>
-            <a:fld id="{AB5AA983-2186-40A3-92EE-FB13A7732978}" type="slidenum">
-              <a:rPr lang="de-DE" smtClean="0"/>
-              <a:pPr/>
-              <a:t>9</a:t>
-            </a:fld>
-            <a:endParaRPr lang="de-DE"/>
-          </a:p>
-        </p:txBody>
-      </p:sp>
-    </p:spTree>
-    <p:extLst>
-      <p:ext uri="{BB962C8B-B14F-4D97-AF65-F5344CB8AC3E}">
-        <p14:creationId xmlns:p14="http://schemas.microsoft.com/office/powerpoint/2010/main" val="11380621"/>
+        <p14:creationId xmlns:p14="http://schemas.microsoft.com/office/powerpoint/2010/main" val="1372123693"/>
       </p:ext>
     </p:extLst>
   </p:cSld>
@@ -3186,453 +3075,14 @@
   <p:clrMapOvr>
     <a:masterClrMapping/>
   </p:clrMapOvr>
-</p:sld>
-</file>
-
-<file path=ppt/slides/slide10.xml><?xml version="1.0" encoding="utf-8"?>
-<p:sld xmlns:a="http://schemas.openxmlformats.org/drawingml/2006/main" xmlns:r="http://schemas.openxmlformats.org/officeDocument/2006/relationships" xmlns:p="http://schemas.openxmlformats.org/presentationml/2006/main">
-  <p:cSld>
-    <p:spTree>
-      <p:nvGrpSpPr>
-        <p:cNvPr id="1" name=""/>
-        <p:cNvGrpSpPr/>
-        <p:nvPr/>
-      </p:nvGrpSpPr>
-      <p:grpSpPr>
-        <a:xfrm>
-          <a:off x="0" y="0"/>
-          <a:ext cx="0" cy="0"/>
-          <a:chOff x="0" y="0"/>
-          <a:chExt cx="0" cy="0"/>
-        </a:xfrm>
-      </p:grpSpPr>
-      <p:sp>
-        <p:nvSpPr>
-          <p:cNvPr id="2" name="Titel 1">
-            <a:extLst>
-              <a:ext uri="{FF2B5EF4-FFF2-40B4-BE49-F238E27FC236}">
-                <a16:creationId xmlns:a16="http://schemas.microsoft.com/office/drawing/2014/main" id="{8411EF0A-FC37-4272-8917-817BC38352E2}"/>
-              </a:ext>
-            </a:extLst>
-          </p:cNvPr>
-          <p:cNvSpPr>
-            <a:spLocks noGrp="1"/>
-          </p:cNvSpPr>
-          <p:nvPr>
-            <p:ph type="title"/>
-          </p:nvPr>
-        </p:nvSpPr>
-        <p:spPr/>
-        <p:txBody>
-          <a:bodyPr/>
-          <a:lstStyle/>
-          <a:p>
-            <a:r>
-              <a:rPr lang="de-DE" dirty="0"/>
-              <a:t>Quellen</a:t>
-            </a:r>
-          </a:p>
-        </p:txBody>
-      </p:sp>
-      <p:sp>
-        <p:nvSpPr>
-          <p:cNvPr id="3" name="Inhaltsplatzhalter 2">
-            <a:extLst>
-              <a:ext uri="{FF2B5EF4-FFF2-40B4-BE49-F238E27FC236}">
-                <a16:creationId xmlns:a16="http://schemas.microsoft.com/office/drawing/2014/main" id="{9743B7FF-0CB9-48BD-BC6A-9548119E546B}"/>
-              </a:ext>
-            </a:extLst>
-          </p:cNvPr>
-          <p:cNvSpPr>
-            <a:spLocks noGrp="1"/>
-          </p:cNvSpPr>
-          <p:nvPr>
-            <p:ph sz="half" idx="1"/>
-          </p:nvPr>
-        </p:nvSpPr>
-        <p:spPr>
-          <a:xfrm>
-            <a:off x="457200" y="1628800"/>
-            <a:ext cx="8183563" cy="4319587"/>
-          </a:xfrm>
-        </p:spPr>
-        <p:txBody>
-          <a:bodyPr/>
-          <a:lstStyle/>
-          <a:p>
-            <a:endParaRPr lang="de-DE" dirty="0"/>
-          </a:p>
-          <a:p>
-            <a:endParaRPr lang="de-DE" dirty="0"/>
-          </a:p>
-        </p:txBody>
-      </p:sp>
-      <p:sp>
-        <p:nvSpPr>
-          <p:cNvPr id="5" name="Datumsplatzhalter 4">
-            <a:extLst>
-              <a:ext uri="{FF2B5EF4-FFF2-40B4-BE49-F238E27FC236}">
-                <a16:creationId xmlns:a16="http://schemas.microsoft.com/office/drawing/2014/main" id="{F384C288-6AB9-4169-BE36-3A6ED2CCA31F}"/>
-              </a:ext>
-            </a:extLst>
-          </p:cNvPr>
-          <p:cNvSpPr>
-            <a:spLocks noGrp="1"/>
-          </p:cNvSpPr>
-          <p:nvPr>
-            <p:ph type="dt" sz="half" idx="10"/>
-          </p:nvPr>
-        </p:nvSpPr>
-        <p:spPr/>
-        <p:txBody>
-          <a:bodyPr/>
-          <a:lstStyle/>
-          <a:p>
-            <a:fld id="{440E7140-D695-4E71-A946-BB9AD72EC4D1}" type="datetime4">
-              <a:rPr lang="de-DE" smtClean="0"/>
-              <a:pPr/>
-              <a:t>20. Januar 2019</a:t>
-            </a:fld>
-            <a:endParaRPr lang="de-DE"/>
-          </a:p>
-        </p:txBody>
-      </p:sp>
-      <p:sp>
-        <p:nvSpPr>
-          <p:cNvPr id="6" name="Fußzeilenplatzhalter 5">
-            <a:extLst>
-              <a:ext uri="{FF2B5EF4-FFF2-40B4-BE49-F238E27FC236}">
-                <a16:creationId xmlns:a16="http://schemas.microsoft.com/office/drawing/2014/main" id="{EA45C641-BE5B-4FFB-8FB3-3ABAF2392FE6}"/>
-              </a:ext>
-            </a:extLst>
-          </p:cNvPr>
-          <p:cNvSpPr>
-            <a:spLocks noGrp="1"/>
-          </p:cNvSpPr>
-          <p:nvPr>
-            <p:ph type="ftr" sz="quarter" idx="11"/>
-          </p:nvPr>
-        </p:nvSpPr>
-        <p:spPr/>
-        <p:txBody>
-          <a:bodyPr/>
-          <a:lstStyle/>
-          <a:p>
-            <a:r>
-              <a:rPr lang="de-DE" dirty="0"/>
-              <a:t>Quellen</a:t>
-            </a:r>
-          </a:p>
-        </p:txBody>
-      </p:sp>
-      <p:sp>
-        <p:nvSpPr>
-          <p:cNvPr id="7" name="Foliennummernplatzhalter 6">
-            <a:extLst>
-              <a:ext uri="{FF2B5EF4-FFF2-40B4-BE49-F238E27FC236}">
-                <a16:creationId xmlns:a16="http://schemas.microsoft.com/office/drawing/2014/main" id="{F8971436-6BD3-4E70-868B-2EBDB10BF1A8}"/>
-              </a:ext>
-            </a:extLst>
-          </p:cNvPr>
-          <p:cNvSpPr>
-            <a:spLocks noGrp="1"/>
-          </p:cNvSpPr>
-          <p:nvPr>
-            <p:ph type="sldNum" sz="quarter" idx="12"/>
-          </p:nvPr>
-        </p:nvSpPr>
-        <p:spPr/>
-        <p:txBody>
-          <a:bodyPr/>
-          <a:lstStyle/>
-          <a:p>
-            <a:fld id="{8C8FEA95-401B-4A59-A0C9-740C061053CF}" type="slidenum">
-              <a:rPr lang="de-DE" smtClean="0"/>
-              <a:pPr/>
-              <a:t>10</a:t>
-            </a:fld>
-            <a:endParaRPr lang="de-DE"/>
-          </a:p>
-        </p:txBody>
-      </p:sp>
-    </p:spTree>
-    <p:extLst>
-      <p:ext uri="{BB962C8B-B14F-4D97-AF65-F5344CB8AC3E}">
-        <p14:creationId xmlns:p14="http://schemas.microsoft.com/office/powerpoint/2010/main" val="569534609"/>
-      </p:ext>
-    </p:extLst>
-  </p:cSld>
-  <p:clrMapOvr>
-    <a:masterClrMapping/>
-  </p:clrMapOvr>
-</p:sld>
-</file>
-
-<file path=ppt/slides/slide11.xml><?xml version="1.0" encoding="utf-8"?>
-<p:sld xmlns:a="http://schemas.openxmlformats.org/drawingml/2006/main" xmlns:r="http://schemas.openxmlformats.org/officeDocument/2006/relationships" xmlns:p="http://schemas.openxmlformats.org/presentationml/2006/main">
-  <p:cSld>
-    <p:spTree>
-      <p:nvGrpSpPr>
-        <p:cNvPr id="1" name=""/>
-        <p:cNvGrpSpPr/>
-        <p:nvPr/>
-      </p:nvGrpSpPr>
-      <p:grpSpPr>
-        <a:xfrm>
-          <a:off x="0" y="0"/>
-          <a:ext cx="0" cy="0"/>
-          <a:chOff x="0" y="0"/>
-          <a:chExt cx="0" cy="0"/>
-        </a:xfrm>
-      </p:grpSpPr>
-      <p:sp>
-        <p:nvSpPr>
-          <p:cNvPr id="2" name="Titel 1">
-            <a:extLst>
-              <a:ext uri="{FF2B5EF4-FFF2-40B4-BE49-F238E27FC236}">
-                <a16:creationId xmlns:a16="http://schemas.microsoft.com/office/drawing/2014/main" id="{8411EF0A-FC37-4272-8917-817BC38352E2}"/>
-              </a:ext>
-            </a:extLst>
-          </p:cNvPr>
-          <p:cNvSpPr>
-            <a:spLocks noGrp="1"/>
-          </p:cNvSpPr>
-          <p:nvPr>
-            <p:ph type="title"/>
-          </p:nvPr>
-        </p:nvSpPr>
-        <p:spPr/>
-        <p:txBody>
-          <a:bodyPr/>
-          <a:lstStyle/>
-          <a:p>
-            <a:r>
-              <a:rPr lang="de-DE" dirty="0"/>
-              <a:t>Bildquellen</a:t>
-            </a:r>
-          </a:p>
-        </p:txBody>
-      </p:sp>
-      <p:sp>
-        <p:nvSpPr>
-          <p:cNvPr id="5" name="Datumsplatzhalter 4">
-            <a:extLst>
-              <a:ext uri="{FF2B5EF4-FFF2-40B4-BE49-F238E27FC236}">
-                <a16:creationId xmlns:a16="http://schemas.microsoft.com/office/drawing/2014/main" id="{F384C288-6AB9-4169-BE36-3A6ED2CCA31F}"/>
-              </a:ext>
-            </a:extLst>
-          </p:cNvPr>
-          <p:cNvSpPr>
-            <a:spLocks noGrp="1"/>
-          </p:cNvSpPr>
-          <p:nvPr>
-            <p:ph type="dt" sz="half" idx="10"/>
-          </p:nvPr>
-        </p:nvSpPr>
-        <p:spPr/>
-        <p:txBody>
-          <a:bodyPr/>
-          <a:lstStyle/>
-          <a:p>
-            <a:fld id="{440E7140-D695-4E71-A946-BB9AD72EC4D1}" type="datetime4">
-              <a:rPr lang="de-DE" smtClean="0"/>
-              <a:pPr/>
-              <a:t>20. Januar 2019</a:t>
-            </a:fld>
-            <a:endParaRPr lang="de-DE"/>
-          </a:p>
-        </p:txBody>
-      </p:sp>
-      <p:sp>
-        <p:nvSpPr>
-          <p:cNvPr id="6" name="Fußzeilenplatzhalter 5">
-            <a:extLst>
-              <a:ext uri="{FF2B5EF4-FFF2-40B4-BE49-F238E27FC236}">
-                <a16:creationId xmlns:a16="http://schemas.microsoft.com/office/drawing/2014/main" id="{EA45C641-BE5B-4FFB-8FB3-3ABAF2392FE6}"/>
-              </a:ext>
-            </a:extLst>
-          </p:cNvPr>
-          <p:cNvSpPr>
-            <a:spLocks noGrp="1"/>
-          </p:cNvSpPr>
-          <p:nvPr>
-            <p:ph type="ftr" sz="quarter" idx="11"/>
-          </p:nvPr>
-        </p:nvSpPr>
-        <p:spPr/>
-        <p:txBody>
-          <a:bodyPr/>
-          <a:lstStyle/>
-          <a:p>
-            <a:r>
-              <a:rPr lang="de-DE" dirty="0"/>
-              <a:t>Quellen</a:t>
-            </a:r>
-          </a:p>
-        </p:txBody>
-      </p:sp>
-      <p:sp>
-        <p:nvSpPr>
-          <p:cNvPr id="7" name="Foliennummernplatzhalter 6">
-            <a:extLst>
-              <a:ext uri="{FF2B5EF4-FFF2-40B4-BE49-F238E27FC236}">
-                <a16:creationId xmlns:a16="http://schemas.microsoft.com/office/drawing/2014/main" id="{F8971436-6BD3-4E70-868B-2EBDB10BF1A8}"/>
-              </a:ext>
-            </a:extLst>
-          </p:cNvPr>
-          <p:cNvSpPr>
-            <a:spLocks noGrp="1"/>
-          </p:cNvSpPr>
-          <p:nvPr>
-            <p:ph type="sldNum" sz="quarter" idx="12"/>
-          </p:nvPr>
-        </p:nvSpPr>
-        <p:spPr/>
-        <p:txBody>
-          <a:bodyPr/>
-          <a:lstStyle/>
-          <a:p>
-            <a:fld id="{8C8FEA95-401B-4A59-A0C9-740C061053CF}" type="slidenum">
-              <a:rPr lang="de-DE" smtClean="0"/>
-              <a:pPr/>
-              <a:t>11</a:t>
-            </a:fld>
-            <a:endParaRPr lang="de-DE"/>
-          </a:p>
-        </p:txBody>
-      </p:sp>
-      <p:sp>
-        <p:nvSpPr>
-          <p:cNvPr id="8" name="Inhaltsplatzhalter 7">
-            <a:extLst>
-              <a:ext uri="{FF2B5EF4-FFF2-40B4-BE49-F238E27FC236}">
-                <a16:creationId xmlns:a16="http://schemas.microsoft.com/office/drawing/2014/main" id="{4656318C-BB77-42D4-B2A6-4E29A4F20536}"/>
-              </a:ext>
-            </a:extLst>
-          </p:cNvPr>
-          <p:cNvSpPr>
-            <a:spLocks noGrp="1"/>
-          </p:cNvSpPr>
-          <p:nvPr>
-            <p:ph sz="half" idx="1"/>
-          </p:nvPr>
-        </p:nvSpPr>
-        <p:spPr/>
-        <p:txBody>
-          <a:bodyPr/>
-          <a:lstStyle/>
-          <a:p>
-            <a:endParaRPr lang="de-DE"/>
-          </a:p>
-        </p:txBody>
-      </p:sp>
-    </p:spTree>
-    <p:extLst>
-      <p:ext uri="{BB962C8B-B14F-4D97-AF65-F5344CB8AC3E}">
-        <p14:creationId xmlns:p14="http://schemas.microsoft.com/office/powerpoint/2010/main" val="915431092"/>
-      </p:ext>
-    </p:extLst>
-  </p:cSld>
-  <p:clrMapOvr>
-    <a:masterClrMapping/>
-  </p:clrMapOvr>
-</p:sld>
-</file>
-
-<file path=ppt/slides/slide12.xml><?xml version="1.0" encoding="utf-8"?>
-<p:sld xmlns:a="http://schemas.openxmlformats.org/drawingml/2006/main" xmlns:r="http://schemas.openxmlformats.org/officeDocument/2006/relationships" xmlns:p="http://schemas.openxmlformats.org/presentationml/2006/main">
-  <p:cSld>
-    <p:spTree>
-      <p:nvGrpSpPr>
-        <p:cNvPr id="1" name=""/>
-        <p:cNvGrpSpPr/>
-        <p:nvPr/>
-      </p:nvGrpSpPr>
-      <p:grpSpPr>
-        <a:xfrm>
-          <a:off x="0" y="0"/>
-          <a:ext cx="0" cy="0"/>
-          <a:chOff x="0" y="0"/>
-          <a:chExt cx="0" cy="0"/>
-        </a:xfrm>
-      </p:grpSpPr>
-      <p:sp>
-        <p:nvSpPr>
-          <p:cNvPr id="3" name="Titel 2"/>
-          <p:cNvSpPr>
-            <a:spLocks noGrp="1"/>
-          </p:cNvSpPr>
-          <p:nvPr>
-            <p:ph type="ctrTitle"/>
-          </p:nvPr>
-        </p:nvSpPr>
-        <p:spPr>
-          <a:xfrm>
-            <a:off x="468313" y="3573016"/>
-            <a:ext cx="8208963" cy="1224136"/>
-          </a:xfrm>
-        </p:spPr>
-        <p:txBody>
-          <a:bodyPr/>
-          <a:lstStyle/>
-          <a:p>
-            <a:r>
-              <a:rPr lang="de-DE" sz="3600" dirty="0"/>
-              <a:t>MDSD Projekt</a:t>
-            </a:r>
-            <a:br>
-              <a:rPr lang="de-DE" sz="3600" dirty="0"/>
-            </a:br>
-            <a:r>
-              <a:rPr lang="de-DE" sz="3600" dirty="0" err="1"/>
-              <a:t>AutoIt</a:t>
-            </a:r>
-            <a:r>
-              <a:rPr lang="de-DE" sz="3600" dirty="0"/>
-              <a:t> und C#</a:t>
-            </a:r>
-          </a:p>
-        </p:txBody>
-      </p:sp>
-      <p:sp>
-        <p:nvSpPr>
-          <p:cNvPr id="10" name="Datumsplatzhalter 4"/>
-          <p:cNvSpPr>
-            <a:spLocks noGrp="1"/>
-          </p:cNvSpPr>
-          <p:nvPr>
-            <p:ph type="dt" sz="half" idx="10"/>
-          </p:nvPr>
-        </p:nvSpPr>
-        <p:spPr>
-          <a:xfrm>
-            <a:off x="468313" y="6524625"/>
-            <a:ext cx="1655762" cy="333375"/>
-          </a:xfrm>
-        </p:spPr>
-        <p:txBody>
-          <a:bodyPr/>
-          <a:lstStyle/>
-          <a:p>
-            <a:fld id="{BF37A689-64BE-44B2-BB27-C6C745E65EDE}" type="datetime4">
-              <a:rPr lang="de-DE" smtClean="0"/>
-              <a:pPr/>
-              <a:t>20. Januar 2019</a:t>
-            </a:fld>
-            <a:endParaRPr lang="de-DE" dirty="0"/>
-          </a:p>
-        </p:txBody>
-      </p:sp>
-    </p:spTree>
-    <p:extLst>
-      <p:ext uri="{BB962C8B-B14F-4D97-AF65-F5344CB8AC3E}">
-        <p14:creationId xmlns:p14="http://schemas.microsoft.com/office/powerpoint/2010/main" val="1498907471"/>
-      </p:ext>
-    </p:extLst>
-  </p:cSld>
-  <p:clrMapOvr>
-    <a:masterClrMapping/>
-  </p:clrMapOvr>
+  <mc:AlternateContent xmlns:mc="http://schemas.openxmlformats.org/markup-compatibility/2006" xmlns:p14="http://schemas.microsoft.com/office/powerpoint/2010/main">
+    <mc:Choice Requires="p14">
+      <p:transition spd="slow" p14:dur="2000" advTm="3107"/>
+    </mc:Choice>
+    <mc:Fallback xmlns="">
+      <p:transition spd="slow" advTm="3107"/>
+    </mc:Fallback>
+  </mc:AlternateContent>
 </p:sld>
 </file>
 
@@ -3655,6 +3105,153 @@
       </p:grpSpPr>
       <p:sp>
         <p:nvSpPr>
+          <p:cNvPr id="75779" name="Rectangle 3"/>
+          <p:cNvSpPr>
+            <a:spLocks noGrp="1" noChangeArrowheads="1"/>
+          </p:cNvSpPr>
+          <p:nvPr>
+            <p:ph sz="half" idx="1"/>
+          </p:nvPr>
+        </p:nvSpPr>
+        <p:spPr>
+          <a:xfrm>
+            <a:off x="468313" y="1701006"/>
+            <a:ext cx="8147248" cy="4319587"/>
+          </a:xfrm>
+        </p:spPr>
+        <p:txBody>
+          <a:bodyPr/>
+          <a:lstStyle/>
+          <a:p>
+            <a:r>
+              <a:rPr lang="de-DE" dirty="0">
+                <a:solidFill>
+                  <a:schemeClr val="tx1"/>
+                </a:solidFill>
+              </a:rPr>
+              <a:t>Einleitung</a:t>
+            </a:r>
+          </a:p>
+          <a:p>
+            <a:pPr lvl="1"/>
+            <a:r>
+              <a:rPr lang="de-DE" dirty="0">
+                <a:solidFill>
+                  <a:schemeClr val="tx1"/>
+                </a:solidFill>
+              </a:rPr>
+              <a:t>Vorgehen und Modell</a:t>
+            </a:r>
+          </a:p>
+          <a:p>
+            <a:r>
+              <a:rPr lang="de-DE" dirty="0">
+                <a:solidFill>
+                  <a:schemeClr val="tx1"/>
+                </a:solidFill>
+              </a:rPr>
+              <a:t>Was ist </a:t>
+            </a:r>
+            <a:r>
+              <a:rPr lang="de-DE" dirty="0" err="1">
+                <a:solidFill>
+                  <a:schemeClr val="tx1"/>
+                </a:solidFill>
+              </a:rPr>
+              <a:t>AutoIt</a:t>
+            </a:r>
+            <a:r>
+              <a:rPr lang="de-DE" dirty="0">
+                <a:solidFill>
+                  <a:schemeClr val="tx1"/>
+                </a:solidFill>
+              </a:rPr>
+              <a:t>?</a:t>
+            </a:r>
+          </a:p>
+          <a:p>
+            <a:r>
+              <a:rPr lang="de-DE" dirty="0">
+                <a:solidFill>
+                  <a:schemeClr val="tx1"/>
+                </a:solidFill>
+              </a:rPr>
+              <a:t>Demonstration</a:t>
+            </a:r>
+          </a:p>
+          <a:p>
+            <a:pPr lvl="1"/>
+            <a:r>
+              <a:rPr lang="de-DE" dirty="0">
+                <a:solidFill>
+                  <a:schemeClr val="tx1"/>
+                </a:solidFill>
+              </a:rPr>
+              <a:t>Aufbau des Generators</a:t>
+            </a:r>
+          </a:p>
+          <a:p>
+            <a:pPr lvl="1"/>
+            <a:r>
+              <a:rPr lang="de-DE" dirty="0">
+                <a:solidFill>
+                  <a:schemeClr val="tx1"/>
+                </a:solidFill>
+              </a:rPr>
+              <a:t>Demonstration der DSL</a:t>
+            </a:r>
+          </a:p>
+          <a:p>
+            <a:pPr lvl="1"/>
+            <a:r>
+              <a:rPr lang="de-DE" dirty="0">
+                <a:solidFill>
+                  <a:schemeClr val="tx1"/>
+                </a:solidFill>
+              </a:rPr>
+              <a:t>Demonstration des </a:t>
+            </a:r>
+            <a:r>
+              <a:rPr lang="de-DE" dirty="0" err="1">
+                <a:solidFill>
+                  <a:schemeClr val="tx1"/>
+                </a:solidFill>
+              </a:rPr>
+              <a:t>Validators</a:t>
+            </a:r>
+            <a:endParaRPr lang="de-DE" dirty="0">
+              <a:solidFill>
+                <a:schemeClr val="tx1"/>
+              </a:solidFill>
+            </a:endParaRPr>
+          </a:p>
+          <a:p>
+            <a:pPr lvl="1"/>
+            <a:endParaRPr lang="de-DE" dirty="0">
+              <a:solidFill>
+                <a:schemeClr val="tx1"/>
+              </a:solidFill>
+            </a:endParaRPr>
+          </a:p>
+          <a:p>
+            <a:pPr lvl="1"/>
+            <a:endParaRPr lang="de-DE" dirty="0">
+              <a:solidFill>
+                <a:schemeClr val="tx1"/>
+              </a:solidFill>
+            </a:endParaRPr>
+          </a:p>
+          <a:p>
+            <a:endParaRPr lang="de-DE" dirty="0">
+              <a:solidFill>
+                <a:schemeClr val="tx1"/>
+              </a:solidFill>
+            </a:endParaRPr>
+          </a:p>
+        </p:txBody>
+      </p:sp>
+      <p:sp>
+        <p:nvSpPr>
           <p:cNvPr id="75778" name="Rectangle 2"/>
           <p:cNvSpPr>
             <a:spLocks noGrp="1" noChangeArrowheads="1"/>
@@ -3717,7 +3314,7 @@
           <a:p>
             <a:r>
               <a:rPr lang="de-DE" dirty="0"/>
-              <a:t>Gliederung</a:t>
+              <a:t>Einleitung</a:t>
             </a:r>
           </a:p>
         </p:txBody>
@@ -3749,7 +3346,7 @@
     </p:spTree>
     <p:extLst>
       <p:ext uri="{BB962C8B-B14F-4D97-AF65-F5344CB8AC3E}">
-        <p14:creationId xmlns:p14="http://schemas.microsoft.com/office/powerpoint/2010/main" val="1105575797"/>
+        <p14:creationId xmlns:p14="http://schemas.microsoft.com/office/powerpoint/2010/main" val="3924361146"/>
       </p:ext>
     </p:extLst>
   </p:cSld>
@@ -4385,7 +3982,7 @@
                   <a:schemeClr val="tx1"/>
                 </a:solidFill>
               </a:rPr>
-              <a:t> ist eine Skriptsprach.</a:t>
+              <a:t> ist eine Skriptsprache.</a:t>
             </a:r>
           </a:p>
           <a:p>
@@ -4698,6 +4295,28 @@
           <a:bodyPr/>
           <a:lstStyle/>
           <a:p>
+            <a:r>
+              <a:rPr lang="de-DE" dirty="0">
+                <a:solidFill>
+                  <a:schemeClr val="tx1"/>
+                </a:solidFill>
+              </a:rPr>
+              <a:t>Aufbau des Generators</a:t>
+            </a:r>
+          </a:p>
+          <a:p>
+            <a:pPr lvl="1"/>
+            <a:r>
+              <a:rPr lang="de-DE" dirty="0">
+                <a:solidFill>
+                  <a:schemeClr val="tx1"/>
+                </a:solidFill>
+              </a:rPr>
+              <a:t>Besonderheit: Variable Generierung der Parameter Höhe und Breite</a:t>
+            </a:r>
+          </a:p>
+          <a:p>
+            <a:pPr lvl="1"/>
             <a:endParaRPr lang="de-DE" dirty="0">
               <a:solidFill>
                 <a:schemeClr val="tx1"/>
@@ -4705,12 +4324,52 @@
             </a:endParaRPr>
           </a:p>
           <a:p>
+            <a:r>
+              <a:rPr lang="de-DE" dirty="0">
+                <a:solidFill>
+                  <a:schemeClr val="tx1"/>
+                </a:solidFill>
+              </a:rPr>
+              <a:t>Demonstration der DSL</a:t>
+            </a:r>
+          </a:p>
+          <a:p>
             <a:endParaRPr lang="de-DE" dirty="0">
               <a:solidFill>
                 <a:schemeClr val="tx1"/>
               </a:solidFill>
             </a:endParaRPr>
           </a:p>
+          <a:p>
+            <a:r>
+              <a:rPr lang="de-DE" dirty="0">
+                <a:solidFill>
+                  <a:schemeClr val="tx1"/>
+                </a:solidFill>
+              </a:rPr>
+              <a:t>Demonstration des </a:t>
+            </a:r>
+            <a:r>
+              <a:rPr lang="de-DE" dirty="0" err="1">
+                <a:solidFill>
+                  <a:schemeClr val="tx1"/>
+                </a:solidFill>
+              </a:rPr>
+              <a:t>Validators</a:t>
+            </a:r>
+            <a:endParaRPr lang="de-DE" dirty="0">
+              <a:solidFill>
+                <a:schemeClr val="tx1"/>
+              </a:solidFill>
+            </a:endParaRPr>
+          </a:p>
+          <a:p>
+            <a:endParaRPr lang="de-DE" dirty="0">
+              <a:solidFill>
+                <a:schemeClr val="tx1"/>
+              </a:solidFill>
+            </a:endParaRPr>
+          </a:p>
         </p:txBody>
       </p:sp>
       <p:sp>
@@ -4730,7 +4389,7 @@
           <a:p>
             <a:r>
               <a:rPr lang="de-DE" sz="2400" b="0" dirty="0"/>
-              <a:t>C#</a:t>
+              <a:t>Demonstration</a:t>
             </a:r>
             <a:endParaRPr lang="de-DE" sz="1800" b="0" dirty="0"/>
           </a:p>
@@ -4809,7 +4468,7 @@
     </p:spTree>
     <p:extLst>
       <p:ext uri="{BB962C8B-B14F-4D97-AF65-F5344CB8AC3E}">
-        <p14:creationId xmlns:p14="http://schemas.microsoft.com/office/powerpoint/2010/main" val="4186154298"/>
+        <p14:creationId xmlns:p14="http://schemas.microsoft.com/office/powerpoint/2010/main" val="3114731041"/>
       </p:ext>
     </p:extLst>
   </p:cSld>
@@ -4838,73 +4497,45 @@
       </p:grpSpPr>
       <p:sp>
         <p:nvSpPr>
-          <p:cNvPr id="75779" name="Rectangle 3"/>
-          <p:cNvSpPr>
-            <a:spLocks noGrp="1" noChangeArrowheads="1"/>
-          </p:cNvSpPr>
-          <p:nvPr>
-            <p:ph sz="half" idx="1"/>
+          <p:cNvPr id="3" name="Titel 2"/>
+          <p:cNvSpPr>
+            <a:spLocks noGrp="1"/>
+          </p:cNvSpPr>
+          <p:nvPr>
+            <p:ph type="ctrTitle"/>
           </p:nvPr>
         </p:nvSpPr>
         <p:spPr>
           <a:xfrm>
-            <a:off x="468313" y="1701006"/>
-            <a:ext cx="8147248" cy="4319587"/>
+            <a:off x="468313" y="3573016"/>
+            <a:ext cx="8208963" cy="1224136"/>
           </a:xfrm>
         </p:spPr>
         <p:txBody>
           <a:bodyPr/>
           <a:lstStyle/>
           <a:p>
-            <a:endParaRPr lang="de-DE" dirty="0">
-              <a:solidFill>
-                <a:schemeClr val="tx1"/>
-              </a:solidFill>
-            </a:endParaRPr>
-          </a:p>
-          <a:p>
-            <a:endParaRPr lang="de-DE" dirty="0">
-              <a:solidFill>
-                <a:schemeClr val="tx1"/>
-              </a:solidFill>
-            </a:endParaRPr>
-          </a:p>
-        </p:txBody>
-      </p:sp>
-      <p:sp>
-        <p:nvSpPr>
-          <p:cNvPr id="75778" name="Rectangle 2"/>
-          <p:cNvSpPr>
-            <a:spLocks noGrp="1" noChangeArrowheads="1"/>
-          </p:cNvSpPr>
-          <p:nvPr>
-            <p:ph type="title"/>
-          </p:nvPr>
-        </p:nvSpPr>
-        <p:spPr/>
-        <p:txBody>
-          <a:bodyPr/>
-          <a:lstStyle/>
-          <a:p>
-            <a:r>
-              <a:rPr lang="de-DE" sz="2400" b="0" dirty="0"/>
-              <a:t>Domain </a:t>
-            </a:r>
-            <a:r>
-              <a:rPr lang="de-DE" sz="2400" b="0" dirty="0" err="1"/>
-              <a:t>Specific</a:t>
-            </a:r>
-            <a:r>
-              <a:rPr lang="de-DE" sz="2400" b="0" dirty="0"/>
-              <a:t> Language (DSL)</a:t>
-            </a:r>
-            <a:endParaRPr lang="de-DE" sz="1800" b="0" dirty="0"/>
-          </a:p>
-        </p:txBody>
-      </p:sp>
-      <p:sp>
-        <p:nvSpPr>
-          <p:cNvPr id="17" name="Datumsplatzhalter 5"/>
+            <a:r>
+              <a:rPr lang="de-DE" sz="3600" dirty="0"/>
+              <a:t>MDSD Projekt</a:t>
+            </a:r>
+            <a:br>
+              <a:rPr lang="de-DE" sz="3600" dirty="0"/>
+            </a:br>
+            <a:r>
+              <a:rPr lang="de-DE" sz="3600" dirty="0" err="1"/>
+              <a:t>AutoIt</a:t>
+            </a:r>
+            <a:r>
+              <a:rPr lang="de-DE" sz="3600" dirty="0"/>
+              <a:t> und C#</a:t>
+            </a:r>
+          </a:p>
+        </p:txBody>
+      </p:sp>
+      <p:sp>
+        <p:nvSpPr>
+          <p:cNvPr id="10" name="Datumsplatzhalter 4"/>
           <p:cNvSpPr>
             <a:spLocks noGrp="1"/>
           </p:cNvSpPr>
@@ -4912,12 +4543,17 @@
             <p:ph type="dt" sz="half" idx="10"/>
           </p:nvPr>
         </p:nvSpPr>
-        <p:spPr/>
-        <p:txBody>
-          <a:bodyPr/>
-          <a:lstStyle/>
-          <a:p>
-            <a:fld id="{E6FEDA72-5F47-4948-8773-88782D07C584}" type="datetime4">
+        <p:spPr>
+          <a:xfrm>
+            <a:off x="468313" y="6524625"/>
+            <a:ext cx="1655762" cy="333375"/>
+          </a:xfrm>
+        </p:spPr>
+        <p:txBody>
+          <a:bodyPr/>
+          <a:lstStyle/>
+          <a:p>
+            <a:fld id="{BF37A689-64BE-44B2-BB27-C6C745E65EDE}" type="datetime4">
               <a:rPr lang="de-DE" smtClean="0"/>
               <a:pPr/>
               <a:t>20. Januar 2019</a:t>
@@ -4926,272 +4562,10 @@
           </a:p>
         </p:txBody>
       </p:sp>
-      <p:sp>
-        <p:nvSpPr>
-          <p:cNvPr id="18" name="Fußzeilenplatzhalter 6"/>
-          <p:cNvSpPr>
-            <a:spLocks noGrp="1"/>
-          </p:cNvSpPr>
-          <p:nvPr>
-            <p:ph type="ftr" sz="quarter" idx="11"/>
-          </p:nvPr>
-        </p:nvSpPr>
-        <p:spPr/>
-        <p:txBody>
-          <a:bodyPr/>
-          <a:lstStyle/>
-          <a:p>
-            <a:r>
-              <a:rPr lang="de-DE" dirty="0"/>
-              <a:t>Einleitung</a:t>
-            </a:r>
-          </a:p>
-        </p:txBody>
-      </p:sp>
-      <p:sp>
-        <p:nvSpPr>
-          <p:cNvPr id="19" name="Foliennummernplatzhalter 7"/>
-          <p:cNvSpPr>
-            <a:spLocks noGrp="1"/>
-          </p:cNvSpPr>
-          <p:nvPr>
-            <p:ph type="sldNum" sz="quarter" idx="12"/>
-          </p:nvPr>
-        </p:nvSpPr>
-        <p:spPr/>
-        <p:txBody>
-          <a:bodyPr/>
-          <a:lstStyle/>
-          <a:p>
-            <a:fld id="{06EE7824-BF7C-42BE-AB48-628A60A00626}" type="slidenum">
-              <a:rPr lang="de-DE"/>
-              <a:pPr/>
-              <a:t>8</a:t>
-            </a:fld>
-            <a:endParaRPr lang="de-DE"/>
-          </a:p>
-        </p:txBody>
-      </p:sp>
     </p:spTree>
     <p:extLst>
       <p:ext uri="{BB962C8B-B14F-4D97-AF65-F5344CB8AC3E}">
-        <p14:creationId xmlns:p14="http://schemas.microsoft.com/office/powerpoint/2010/main" val="669825464"/>
-      </p:ext>
-    </p:extLst>
-  </p:cSld>
-  <p:clrMapOvr>
-    <a:masterClrMapping/>
-  </p:clrMapOvr>
-</p:sld>
-</file>
-
-<file path=ppt/slides/slide9.xml><?xml version="1.0" encoding="utf-8"?>
-<p:sld xmlns:a="http://schemas.openxmlformats.org/drawingml/2006/main" xmlns:r="http://schemas.openxmlformats.org/officeDocument/2006/relationships" xmlns:p="http://schemas.openxmlformats.org/presentationml/2006/main">
-  <p:cSld>
-    <p:spTree>
-      <p:nvGrpSpPr>
-        <p:cNvPr id="1" name=""/>
-        <p:cNvGrpSpPr/>
-        <p:nvPr/>
-      </p:nvGrpSpPr>
-      <p:grpSpPr>
-        <a:xfrm>
-          <a:off x="0" y="0"/>
-          <a:ext cx="0" cy="0"/>
-          <a:chOff x="0" y="0"/>
-          <a:chExt cx="0" cy="0"/>
-        </a:xfrm>
-      </p:grpSpPr>
-      <p:sp>
-        <p:nvSpPr>
-          <p:cNvPr id="75779" name="Rectangle 3"/>
-          <p:cNvSpPr>
-            <a:spLocks noGrp="1" noChangeArrowheads="1"/>
-          </p:cNvSpPr>
-          <p:nvPr>
-            <p:ph sz="half" idx="1"/>
-          </p:nvPr>
-        </p:nvSpPr>
-        <p:spPr>
-          <a:xfrm>
-            <a:off x="468313" y="1701006"/>
-            <a:ext cx="8147248" cy="4319587"/>
-          </a:xfrm>
-        </p:spPr>
-        <p:txBody>
-          <a:bodyPr/>
-          <a:lstStyle/>
-          <a:p>
-            <a:endParaRPr lang="de-DE" dirty="0">
-              <a:solidFill>
-                <a:schemeClr val="tx1"/>
-              </a:solidFill>
-            </a:endParaRPr>
-          </a:p>
-          <a:p>
-            <a:endParaRPr lang="de-DE" dirty="0">
-              <a:solidFill>
-                <a:schemeClr val="tx1"/>
-              </a:solidFill>
-            </a:endParaRPr>
-          </a:p>
-        </p:txBody>
-      </p:sp>
-      <p:sp>
-        <p:nvSpPr>
-          <p:cNvPr id="75778" name="Rectangle 2"/>
-          <p:cNvSpPr>
-            <a:spLocks noGrp="1" noChangeArrowheads="1"/>
-          </p:cNvSpPr>
-          <p:nvPr>
-            <p:ph type="title"/>
-          </p:nvPr>
-        </p:nvSpPr>
-        <p:spPr/>
-        <p:txBody>
-          <a:bodyPr/>
-          <a:lstStyle/>
-          <a:p>
-            <a:r>
-              <a:rPr lang="de-DE" sz="2400" b="0" dirty="0"/>
-              <a:t>Demonstration</a:t>
-            </a:r>
-            <a:endParaRPr lang="de-DE" sz="1800" b="0" dirty="0"/>
-          </a:p>
-        </p:txBody>
-      </p:sp>
-      <p:sp>
-        <p:nvSpPr>
-          <p:cNvPr id="17" name="Datumsplatzhalter 5"/>
-          <p:cNvSpPr>
-            <a:spLocks noGrp="1"/>
-          </p:cNvSpPr>
-          <p:nvPr>
-            <p:ph type="dt" sz="half" idx="10"/>
-          </p:nvPr>
-        </p:nvSpPr>
-        <p:spPr/>
-        <p:txBody>
-          <a:bodyPr/>
-          <a:lstStyle/>
-          <a:p>
-            <a:fld id="{E6FEDA72-5F47-4948-8773-88782D07C584}" type="datetime4">
-              <a:rPr lang="de-DE" smtClean="0"/>
-              <a:pPr/>
-              <a:t>20. Januar 2019</a:t>
-            </a:fld>
-            <a:endParaRPr lang="de-DE" dirty="0"/>
-          </a:p>
-        </p:txBody>
-      </p:sp>
-      <p:sp>
-        <p:nvSpPr>
-          <p:cNvPr id="18" name="Fußzeilenplatzhalter 6"/>
-          <p:cNvSpPr>
-            <a:spLocks noGrp="1"/>
-          </p:cNvSpPr>
-          <p:nvPr>
-            <p:ph type="ftr" sz="quarter" idx="11"/>
-          </p:nvPr>
-        </p:nvSpPr>
-        <p:spPr/>
-        <p:txBody>
-          <a:bodyPr/>
-          <a:lstStyle/>
-          <a:p>
-            <a:r>
-              <a:rPr lang="de-DE" dirty="0"/>
-              <a:t>Einleitung</a:t>
-            </a:r>
-          </a:p>
-        </p:txBody>
-      </p:sp>
-      <p:sp>
-        <p:nvSpPr>
-          <p:cNvPr id="19" name="Foliennummernplatzhalter 7"/>
-          <p:cNvSpPr>
-            <a:spLocks noGrp="1"/>
-          </p:cNvSpPr>
-          <p:nvPr>
-            <p:ph type="sldNum" sz="quarter" idx="12"/>
-          </p:nvPr>
-        </p:nvSpPr>
-        <p:spPr/>
-        <p:txBody>
-          <a:bodyPr/>
-          <a:lstStyle/>
-          <a:p>
-            <a:fld id="{06EE7824-BF7C-42BE-AB48-628A60A00626}" type="slidenum">
-              <a:rPr lang="de-DE"/>
-              <a:pPr/>
-              <a:t>9</a:t>
-            </a:fld>
-            <a:endParaRPr lang="de-DE"/>
-          </a:p>
-        </p:txBody>
-      </p:sp>
-      <p:sp>
-        <p:nvSpPr>
-          <p:cNvPr id="2" name="Textfeld 1">
-            <a:extLst>
-              <a:ext uri="{FF2B5EF4-FFF2-40B4-BE49-F238E27FC236}">
-                <a16:creationId xmlns:a16="http://schemas.microsoft.com/office/drawing/2014/main" id="{6678E5CE-4FCB-4339-B91F-2CE300778157}"/>
-              </a:ext>
-            </a:extLst>
-          </p:cNvPr>
-          <p:cNvSpPr txBox="1"/>
-          <p:nvPr/>
-        </p:nvSpPr>
-        <p:spPr>
-          <a:xfrm>
-            <a:off x="827584" y="2492896"/>
-            <a:ext cx="4185761" cy="646331"/>
-          </a:xfrm>
-          <a:prstGeom prst="rect">
-            <a:avLst/>
-          </a:prstGeom>
-          <a:noFill/>
-        </p:spPr>
-        <p:txBody>
-          <a:bodyPr wrap="none" rtlCol="0">
-            <a:spAutoFit/>
-          </a:bodyPr>
-          <a:lstStyle/>
-          <a:p>
-            <a:r>
-              <a:rPr lang="de-DE" dirty="0"/>
-              <a:t>Erstellung Programm </a:t>
-            </a:r>
-            <a:r>
-              <a:rPr lang="de-DE" dirty="0" err="1"/>
-              <a:t>bzw</a:t>
-            </a:r>
-            <a:r>
-              <a:rPr lang="de-DE" dirty="0"/>
-              <a:t> </a:t>
-            </a:r>
-            <a:r>
-              <a:rPr lang="de-DE" dirty="0" err="1"/>
-              <a:t>änderungen</a:t>
-            </a:r>
-            <a:r>
-              <a:rPr lang="de-DE" dirty="0"/>
-              <a:t>.</a:t>
-            </a:r>
-          </a:p>
-          <a:p>
-            <a:r>
-              <a:rPr lang="de-DE" dirty="0" err="1"/>
-              <a:t>Validator</a:t>
-            </a:r>
-            <a:endParaRPr lang="de-DE" dirty="0"/>
-          </a:p>
-        </p:txBody>
-      </p:sp>
-    </p:spTree>
-    <p:extLst>
-      <p:ext uri="{BB962C8B-B14F-4D97-AF65-F5344CB8AC3E}">
-        <p14:creationId xmlns:p14="http://schemas.microsoft.com/office/powerpoint/2010/main" val="2709198152"/>
+        <p14:creationId xmlns:p14="http://schemas.microsoft.com/office/powerpoint/2010/main" val="1498907471"/>
       </p:ext>
     </p:extLst>
   </p:cSld>
